--- a/Scratch for Newbies/Level1/Lesson 1 -  Space Talk/Notes/notes.pptx
+++ b/Scratch for Newbies/Level1/Lesson 1 -  Space Talk/Notes/notes.pptx
@@ -5,12 +5,11 @@
     <p:sldMasterId id="2147483648" r:id="rId1"/>
   </p:sldMasterIdLst>
   <p:notesMasterIdLst>
-    <p:notesMasterId r:id="rId5"/>
+    <p:notesMasterId r:id="rId4"/>
   </p:notesMasterIdLst>
   <p:sldIdLst>
     <p:sldId id="259" r:id="rId2"/>
     <p:sldId id="261" r:id="rId3"/>
-    <p:sldId id="260" r:id="rId4"/>
   </p:sldIdLst>
   <p:sldSz cx="12192000" cy="6858000"/>
   <p:notesSz cx="6858000" cy="9144000"/>
@@ -210,7 +209,7 @@
           <a:p>
             <a:fld id="{1147297C-06E1-4B62-AA21-F05F5B88E178}" type="datetimeFigureOut">
               <a:rPr lang="zh-CN" altLang="en-US" smtClean="0"/>
-              <a:t>2024/3/26</a:t>
+              <a:t>2024/9/20</a:t>
             </a:fld>
             <a:endParaRPr lang="zh-CN" altLang="en-US"/>
           </a:p>
@@ -627,7 +626,7 @@
           <a:p>
             <a:fld id="{4023CD3E-1ACA-4ABC-A7C3-AE6EDCC1D047}" type="datetime1">
               <a:rPr lang="zh-CN" altLang="en-US" smtClean="0"/>
-              <a:t>2024/3/26</a:t>
+              <a:t>2024/9/20</a:t>
             </a:fld>
             <a:endParaRPr lang="zh-CN" altLang="en-US"/>
           </a:p>
@@ -827,7 +826,7 @@
           <a:p>
             <a:fld id="{46FEC84B-BDA6-4394-A5DC-761CC97902A2}" type="datetime1">
               <a:rPr lang="zh-CN" altLang="en-US" smtClean="0"/>
-              <a:t>2024/3/26</a:t>
+              <a:t>2024/9/20</a:t>
             </a:fld>
             <a:endParaRPr lang="zh-CN" altLang="en-US"/>
           </a:p>
@@ -1037,7 +1036,7 @@
           <a:p>
             <a:fld id="{EECEE064-21DA-485D-93FF-A8D005D0BACF}" type="datetime1">
               <a:rPr lang="zh-CN" altLang="en-US" smtClean="0"/>
-              <a:t>2024/3/26</a:t>
+              <a:t>2024/9/20</a:t>
             </a:fld>
             <a:endParaRPr lang="zh-CN" altLang="en-US"/>
           </a:p>
@@ -1237,7 +1236,7 @@
           <a:p>
             <a:fld id="{E99E488B-2EE6-4D29-A22A-AB91A65553BA}" type="datetime1">
               <a:rPr lang="zh-CN" altLang="en-US" smtClean="0"/>
-              <a:t>2024/3/26</a:t>
+              <a:t>2024/9/20</a:t>
             </a:fld>
             <a:endParaRPr lang="zh-CN" altLang="en-US"/>
           </a:p>
@@ -1513,7 +1512,7 @@
           <a:p>
             <a:fld id="{3421F69C-EC83-4748-9F42-207B0B7F7AEF}" type="datetime1">
               <a:rPr lang="zh-CN" altLang="en-US" smtClean="0"/>
-              <a:t>2024/3/26</a:t>
+              <a:t>2024/9/20</a:t>
             </a:fld>
             <a:endParaRPr lang="zh-CN" altLang="en-US"/>
           </a:p>
@@ -1781,7 +1780,7 @@
           <a:p>
             <a:fld id="{B299948A-4763-4EE0-97C0-D473B84BFE2B}" type="datetime1">
               <a:rPr lang="zh-CN" altLang="en-US" smtClean="0"/>
-              <a:t>2024/3/26</a:t>
+              <a:t>2024/9/20</a:t>
             </a:fld>
             <a:endParaRPr lang="zh-CN" altLang="en-US"/>
           </a:p>
@@ -2196,7 +2195,7 @@
           <a:p>
             <a:fld id="{9A2FD7C2-6438-4C8D-9885-EF594F129AF2}" type="datetime1">
               <a:rPr lang="zh-CN" altLang="en-US" smtClean="0"/>
-              <a:t>2024/3/26</a:t>
+              <a:t>2024/9/20</a:t>
             </a:fld>
             <a:endParaRPr lang="zh-CN" altLang="en-US"/>
           </a:p>
@@ -2338,7 +2337,7 @@
           <a:p>
             <a:fld id="{CED928C2-0FFC-4AD4-B896-4895AE4FE342}" type="datetime1">
               <a:rPr lang="zh-CN" altLang="en-US" smtClean="0"/>
-              <a:t>2024/3/26</a:t>
+              <a:t>2024/9/20</a:t>
             </a:fld>
             <a:endParaRPr lang="zh-CN" altLang="en-US"/>
           </a:p>
@@ -2451,7 +2450,7 @@
           <a:p>
             <a:fld id="{FA4C0A94-C2B5-4F29-B85C-45CA87678128}" type="datetime1">
               <a:rPr lang="zh-CN" altLang="en-US" smtClean="0"/>
-              <a:t>2024/3/26</a:t>
+              <a:t>2024/9/20</a:t>
             </a:fld>
             <a:endParaRPr lang="zh-CN" altLang="en-US"/>
           </a:p>
@@ -2764,7 +2763,7 @@
           <a:p>
             <a:fld id="{F4E08264-F49F-49C9-A7F4-9095CA867FFE}" type="datetime1">
               <a:rPr lang="zh-CN" altLang="en-US" smtClean="0"/>
-              <a:t>2024/3/26</a:t>
+              <a:t>2024/9/20</a:t>
             </a:fld>
             <a:endParaRPr lang="zh-CN" altLang="en-US"/>
           </a:p>
@@ -3053,7 +3052,7 @@
           <a:p>
             <a:fld id="{DB82EF23-268D-49B9-906A-158FBE8CE46C}" type="datetime1">
               <a:rPr lang="zh-CN" altLang="en-US" smtClean="0"/>
-              <a:t>2024/3/26</a:t>
+              <a:t>2024/9/20</a:t>
             </a:fld>
             <a:endParaRPr lang="zh-CN" altLang="en-US"/>
           </a:p>
@@ -3296,7 +3295,7 @@
           <a:p>
             <a:fld id="{F39741DB-35F8-42F3-A018-9E7E52FFF065}" type="datetime1">
               <a:rPr lang="zh-CN" altLang="en-US" smtClean="0"/>
-              <a:t>2024/3/26</a:t>
+              <a:t>2024/9/20</a:t>
             </a:fld>
             <a:endParaRPr lang="zh-CN" altLang="en-US"/>
           </a:p>
@@ -4921,6 +4920,20 @@
           <a:p>
             <a:pPr algn="ctr"/>
             <a:r>
+              <a:rPr lang="en-US" altLang="zh-CN" sz="9600" spc="300">
+                <a:solidFill>
+                  <a:schemeClr val="accent4">
+                    <a:lumMod val="60000"/>
+                    <a:lumOff val="40000"/>
+                    <a:alpha val="60000"/>
+                  </a:schemeClr>
+                </a:solidFill>
+                <a:latin typeface="Amatic SC" panose="020F0502020204030204" pitchFamily="2" charset="-79"/>
+                <a:cs typeface="Amatic SC" panose="020F0502020204030204" pitchFamily="2" charset="-79"/>
+              </a:rPr>
+              <a:t>What You </a:t>
+            </a:r>
+            <a:r>
               <a:rPr lang="en-US" altLang="zh-CN" sz="9600" spc="300" dirty="0">
                 <a:solidFill>
                   <a:schemeClr val="accent4">
@@ -4932,7 +4945,7 @@
                 <a:latin typeface="Amatic SC" panose="020F0502020204030204" pitchFamily="2" charset="-79"/>
                 <a:cs typeface="Amatic SC" panose="020F0502020204030204" pitchFamily="2" charset="-79"/>
               </a:rPr>
-              <a:t>You will Create…</a:t>
+              <a:t>will Create…</a:t>
             </a:r>
           </a:p>
         </p:txBody>
@@ -4992,527 +5005,6 @@
     <p:extLst>
       <p:ext uri="{BB962C8B-B14F-4D97-AF65-F5344CB8AC3E}">
         <p14:creationId xmlns:p14="http://schemas.microsoft.com/office/powerpoint/2010/main" val="1320022216"/>
-      </p:ext>
-    </p:extLst>
-  </p:cSld>
-  <p:clrMapOvr>
-    <a:masterClrMapping/>
-  </p:clrMapOvr>
-</p:sld>
-</file>
-
-<file path=ppt/slides/slide3.xml><?xml version="1.0" encoding="utf-8"?>
-<p:sld xmlns:a="http://schemas.openxmlformats.org/drawingml/2006/main" xmlns:r="http://schemas.openxmlformats.org/officeDocument/2006/relationships" xmlns:p="http://schemas.openxmlformats.org/presentationml/2006/main">
-  <p:cSld>
-    <p:spTree>
-      <p:nvGrpSpPr>
-        <p:cNvPr id="1" name=""/>
-        <p:cNvGrpSpPr/>
-        <p:nvPr/>
-      </p:nvGrpSpPr>
-      <p:grpSpPr>
-        <a:xfrm>
-          <a:off x="0" y="0"/>
-          <a:ext cx="0" cy="0"/>
-          <a:chOff x="0" y="0"/>
-          <a:chExt cx="0" cy="0"/>
-        </a:xfrm>
-      </p:grpSpPr>
-      <p:sp>
-        <p:nvSpPr>
-          <p:cNvPr id="5" name="Subtitle 4">
-            <a:extLst>
-              <a:ext uri="{FF2B5EF4-FFF2-40B4-BE49-F238E27FC236}">
-                <a16:creationId xmlns:a16="http://schemas.microsoft.com/office/drawing/2014/main" id="{549D0C6D-2E51-2950-634D-C071049A5AF0}"/>
-              </a:ext>
-            </a:extLst>
-          </p:cNvPr>
-          <p:cNvSpPr>
-            <a:spLocks noGrp="1"/>
-          </p:cNvSpPr>
-          <p:nvPr>
-            <p:ph type="subTitle" idx="1"/>
-          </p:nvPr>
-        </p:nvSpPr>
-        <p:spPr>
-          <a:xfrm>
-            <a:off x="1524000" y="3989388"/>
-            <a:ext cx="9144000" cy="1655762"/>
-          </a:xfrm>
-        </p:spPr>
-        <p:txBody>
-          <a:bodyPr/>
-          <a:lstStyle/>
-          <a:p>
-            <a:endParaRPr lang="zh-CN" altLang="en-US"/>
-          </a:p>
-        </p:txBody>
-      </p:sp>
-      <p:sp>
-        <p:nvSpPr>
-          <p:cNvPr id="6" name="Rectangle 5">
-            <a:extLst>
-              <a:ext uri="{FF2B5EF4-FFF2-40B4-BE49-F238E27FC236}">
-                <a16:creationId xmlns:a16="http://schemas.microsoft.com/office/drawing/2014/main" id="{7BC4EB1B-EA6B-DFE4-AF3B-05D0EB253209}"/>
-              </a:ext>
-            </a:extLst>
-          </p:cNvPr>
-          <p:cNvSpPr/>
-          <p:nvPr/>
-        </p:nvSpPr>
-        <p:spPr>
-          <a:xfrm>
-            <a:off x="0" y="0"/>
-            <a:ext cx="12192000" cy="6858000"/>
-          </a:xfrm>
-          <a:prstGeom prst="rect">
-            <a:avLst/>
-          </a:prstGeom>
-          <a:solidFill>
-            <a:srgbClr val="23242A"/>
-          </a:solidFill>
-          <a:ln>
-            <a:noFill/>
-          </a:ln>
-        </p:spPr>
-        <p:style>
-          <a:lnRef idx="2">
-            <a:schemeClr val="accent1">
-              <a:shade val="15000"/>
-            </a:schemeClr>
-          </a:lnRef>
-          <a:fillRef idx="1">
-            <a:schemeClr val="accent1"/>
-          </a:fillRef>
-          <a:effectRef idx="0">
-            <a:schemeClr val="accent1"/>
-          </a:effectRef>
-          <a:fontRef idx="minor">
-            <a:schemeClr val="lt1"/>
-          </a:fontRef>
-        </p:style>
-        <p:txBody>
-          <a:bodyPr rtlCol="0" anchor="ctr"/>
-          <a:lstStyle/>
-          <a:p>
-            <a:pPr algn="ctr"/>
-            <a:endParaRPr lang="zh-CN" altLang="en-US"/>
-          </a:p>
-        </p:txBody>
-      </p:sp>
-      <p:pic>
-        <p:nvPicPr>
-          <p:cNvPr id="8" name="Picture 7">
-            <a:extLst>
-              <a:ext uri="{FF2B5EF4-FFF2-40B4-BE49-F238E27FC236}">
-                <a16:creationId xmlns:a16="http://schemas.microsoft.com/office/drawing/2014/main" id="{105D1E95-6A47-1DE8-B510-4CE0D45EB5D0}"/>
-              </a:ext>
-            </a:extLst>
-          </p:cNvPr>
-          <p:cNvPicPr>
-            <a:picLocks noChangeAspect="1"/>
-          </p:cNvPicPr>
-          <p:nvPr/>
-        </p:nvPicPr>
-        <p:blipFill>
-          <a:blip r:embed="rId2">
-            <a:extLst>
-              <a:ext uri="{28A0092B-C50C-407E-A947-70E740481C1C}">
-                <a14:useLocalDpi xmlns:a14="http://schemas.microsoft.com/office/drawing/2010/main" val="0"/>
-              </a:ext>
-            </a:extLst>
-          </a:blip>
-          <a:stretch>
-            <a:fillRect/>
-          </a:stretch>
-        </p:blipFill>
-        <p:spPr>
-          <a:xfrm>
-            <a:off x="0" y="-1084"/>
-            <a:ext cx="12192000" cy="6859084"/>
-          </a:xfrm>
-          <a:prstGeom prst="rect">
-            <a:avLst/>
-          </a:prstGeom>
-        </p:spPr>
-      </p:pic>
-      <p:sp>
-        <p:nvSpPr>
-          <p:cNvPr id="12" name="Google Shape;867;p33">
-            <a:extLst>
-              <a:ext uri="{FF2B5EF4-FFF2-40B4-BE49-F238E27FC236}">
-                <a16:creationId xmlns:a16="http://schemas.microsoft.com/office/drawing/2014/main" id="{6E92B451-3BE9-52C8-3131-C725F9855BF7}"/>
-              </a:ext>
-            </a:extLst>
-          </p:cNvPr>
-          <p:cNvSpPr txBox="1">
-            <a:spLocks/>
-          </p:cNvSpPr>
-          <p:nvPr/>
-        </p:nvSpPr>
-        <p:spPr>
-          <a:xfrm>
-            <a:off x="-1466650" y="1370016"/>
-            <a:ext cx="7746800" cy="1602400"/>
-          </a:xfrm>
-          <a:prstGeom prst="rect">
-            <a:avLst/>
-          </a:prstGeom>
-          <a:noFill/>
-          <a:ln>
-            <a:noFill/>
-          </a:ln>
-        </p:spPr>
-        <p:txBody>
-          <a:bodyPr spcFirstLastPara="1" wrap="square" lIns="91425" tIns="91425" rIns="91425" bIns="91425" anchor="b" anchorCtr="0">
-            <a:noAutofit/>
-          </a:bodyPr>
-          <a:lstStyle>
-            <a:defPPr marR="0" lvl="0" algn="l" rtl="0">
-              <a:lnSpc>
-                <a:spcPct val="100000"/>
-              </a:lnSpc>
-              <a:spcBef>
-                <a:spcPts val="0"/>
-              </a:spcBef>
-              <a:spcAft>
-                <a:spcPts val="0"/>
-              </a:spcAft>
-            </a:defPPr>
-            <a:lvl1pPr marR="0" lvl="0" algn="l" rtl="0">
-              <a:lnSpc>
-                <a:spcPct val="100000"/>
-              </a:lnSpc>
-              <a:spcBef>
-                <a:spcPts val="0"/>
-              </a:spcBef>
-              <a:spcAft>
-                <a:spcPts val="0"/>
-              </a:spcAft>
-              <a:buClr>
-                <a:schemeClr val="dk1"/>
-              </a:buClr>
-              <a:buSzPts val="3600"/>
-              <a:buFont typeface="Barlow"/>
-              <a:buNone/>
-              <a:defRPr sz="7200" b="1" i="0" u="none" strike="noStrike" cap="none">
-                <a:solidFill>
-                  <a:schemeClr val="dk1"/>
-                </a:solidFill>
-                <a:latin typeface="Barlow"/>
-                <a:ea typeface="Barlow"/>
-                <a:cs typeface="Barlow"/>
-                <a:sym typeface="Barlow"/>
-              </a:defRPr>
-            </a:lvl1pPr>
-            <a:lvl2pPr marR="0" lvl="1" algn="ctr" rtl="0">
-              <a:lnSpc>
-                <a:spcPct val="100000"/>
-              </a:lnSpc>
-              <a:spcBef>
-                <a:spcPts val="0"/>
-              </a:spcBef>
-              <a:spcAft>
-                <a:spcPts val="0"/>
-              </a:spcAft>
-              <a:buClr>
-                <a:schemeClr val="dk1"/>
-              </a:buClr>
-              <a:buSzPts val="3600"/>
-              <a:buFont typeface="Barlow"/>
-              <a:buNone/>
-              <a:defRPr sz="3600" b="1" i="0" u="none" strike="noStrike" cap="none">
-                <a:solidFill>
-                  <a:schemeClr val="dk1"/>
-                </a:solidFill>
-                <a:latin typeface="Barlow"/>
-                <a:ea typeface="Barlow"/>
-                <a:cs typeface="Barlow"/>
-                <a:sym typeface="Barlow"/>
-              </a:defRPr>
-            </a:lvl2pPr>
-            <a:lvl3pPr marR="0" lvl="2" algn="ctr" rtl="0">
-              <a:lnSpc>
-                <a:spcPct val="100000"/>
-              </a:lnSpc>
-              <a:spcBef>
-                <a:spcPts val="0"/>
-              </a:spcBef>
-              <a:spcAft>
-                <a:spcPts val="0"/>
-              </a:spcAft>
-              <a:buClr>
-                <a:schemeClr val="dk1"/>
-              </a:buClr>
-              <a:buSzPts val="3600"/>
-              <a:buFont typeface="Barlow"/>
-              <a:buNone/>
-              <a:defRPr sz="3600" b="1" i="0" u="none" strike="noStrike" cap="none">
-                <a:solidFill>
-                  <a:schemeClr val="dk1"/>
-                </a:solidFill>
-                <a:latin typeface="Barlow"/>
-                <a:ea typeface="Barlow"/>
-                <a:cs typeface="Barlow"/>
-                <a:sym typeface="Barlow"/>
-              </a:defRPr>
-            </a:lvl3pPr>
-            <a:lvl4pPr marR="0" lvl="3" algn="ctr" rtl="0">
-              <a:lnSpc>
-                <a:spcPct val="100000"/>
-              </a:lnSpc>
-              <a:spcBef>
-                <a:spcPts val="0"/>
-              </a:spcBef>
-              <a:spcAft>
-                <a:spcPts val="0"/>
-              </a:spcAft>
-              <a:buClr>
-                <a:schemeClr val="dk1"/>
-              </a:buClr>
-              <a:buSzPts val="3600"/>
-              <a:buFont typeface="Barlow"/>
-              <a:buNone/>
-              <a:defRPr sz="3600" b="1" i="0" u="none" strike="noStrike" cap="none">
-                <a:solidFill>
-                  <a:schemeClr val="dk1"/>
-                </a:solidFill>
-                <a:latin typeface="Barlow"/>
-                <a:ea typeface="Barlow"/>
-                <a:cs typeface="Barlow"/>
-                <a:sym typeface="Barlow"/>
-              </a:defRPr>
-            </a:lvl4pPr>
-            <a:lvl5pPr marR="0" lvl="4" algn="ctr" rtl="0">
-              <a:lnSpc>
-                <a:spcPct val="100000"/>
-              </a:lnSpc>
-              <a:spcBef>
-                <a:spcPts val="0"/>
-              </a:spcBef>
-              <a:spcAft>
-                <a:spcPts val="0"/>
-              </a:spcAft>
-              <a:buClr>
-                <a:schemeClr val="dk1"/>
-              </a:buClr>
-              <a:buSzPts val="3600"/>
-              <a:buFont typeface="Barlow"/>
-              <a:buNone/>
-              <a:defRPr sz="3600" b="1" i="0" u="none" strike="noStrike" cap="none">
-                <a:solidFill>
-                  <a:schemeClr val="dk1"/>
-                </a:solidFill>
-                <a:latin typeface="Barlow"/>
-                <a:ea typeface="Barlow"/>
-                <a:cs typeface="Barlow"/>
-                <a:sym typeface="Barlow"/>
-              </a:defRPr>
-            </a:lvl5pPr>
-            <a:lvl6pPr marR="0" lvl="5" algn="ctr" rtl="0">
-              <a:lnSpc>
-                <a:spcPct val="100000"/>
-              </a:lnSpc>
-              <a:spcBef>
-                <a:spcPts val="0"/>
-              </a:spcBef>
-              <a:spcAft>
-                <a:spcPts val="0"/>
-              </a:spcAft>
-              <a:buClr>
-                <a:schemeClr val="dk1"/>
-              </a:buClr>
-              <a:buSzPts val="3600"/>
-              <a:buFont typeface="Barlow"/>
-              <a:buNone/>
-              <a:defRPr sz="3600" b="1" i="0" u="none" strike="noStrike" cap="none">
-                <a:solidFill>
-                  <a:schemeClr val="dk1"/>
-                </a:solidFill>
-                <a:latin typeface="Barlow"/>
-                <a:ea typeface="Barlow"/>
-                <a:cs typeface="Barlow"/>
-                <a:sym typeface="Barlow"/>
-              </a:defRPr>
-            </a:lvl6pPr>
-            <a:lvl7pPr marR="0" lvl="6" algn="ctr" rtl="0">
-              <a:lnSpc>
-                <a:spcPct val="100000"/>
-              </a:lnSpc>
-              <a:spcBef>
-                <a:spcPts val="0"/>
-              </a:spcBef>
-              <a:spcAft>
-                <a:spcPts val="0"/>
-              </a:spcAft>
-              <a:buClr>
-                <a:schemeClr val="dk1"/>
-              </a:buClr>
-              <a:buSzPts val="3600"/>
-              <a:buFont typeface="Barlow"/>
-              <a:buNone/>
-              <a:defRPr sz="3600" b="1" i="0" u="none" strike="noStrike" cap="none">
-                <a:solidFill>
-                  <a:schemeClr val="dk1"/>
-                </a:solidFill>
-                <a:latin typeface="Barlow"/>
-                <a:ea typeface="Barlow"/>
-                <a:cs typeface="Barlow"/>
-                <a:sym typeface="Barlow"/>
-              </a:defRPr>
-            </a:lvl7pPr>
-            <a:lvl8pPr marR="0" lvl="7" algn="ctr" rtl="0">
-              <a:lnSpc>
-                <a:spcPct val="100000"/>
-              </a:lnSpc>
-              <a:spcBef>
-                <a:spcPts val="0"/>
-              </a:spcBef>
-              <a:spcAft>
-                <a:spcPts val="0"/>
-              </a:spcAft>
-              <a:buClr>
-                <a:schemeClr val="dk1"/>
-              </a:buClr>
-              <a:buSzPts val="3600"/>
-              <a:buFont typeface="Barlow"/>
-              <a:buNone/>
-              <a:defRPr sz="3600" b="1" i="0" u="none" strike="noStrike" cap="none">
-                <a:solidFill>
-                  <a:schemeClr val="dk1"/>
-                </a:solidFill>
-                <a:latin typeface="Barlow"/>
-                <a:ea typeface="Barlow"/>
-                <a:cs typeface="Barlow"/>
-                <a:sym typeface="Barlow"/>
-              </a:defRPr>
-            </a:lvl8pPr>
-            <a:lvl9pPr marR="0" lvl="8" algn="ctr" rtl="0">
-              <a:lnSpc>
-                <a:spcPct val="100000"/>
-              </a:lnSpc>
-              <a:spcBef>
-                <a:spcPts val="0"/>
-              </a:spcBef>
-              <a:spcAft>
-                <a:spcPts val="0"/>
-              </a:spcAft>
-              <a:buClr>
-                <a:schemeClr val="dk1"/>
-              </a:buClr>
-              <a:buSzPts val="3600"/>
-              <a:buFont typeface="Barlow"/>
-              <a:buNone/>
-              <a:defRPr sz="3600" b="1" i="0" u="none" strike="noStrike" cap="none">
-                <a:solidFill>
-                  <a:schemeClr val="dk1"/>
-                </a:solidFill>
-                <a:latin typeface="Barlow"/>
-                <a:ea typeface="Barlow"/>
-                <a:cs typeface="Barlow"/>
-                <a:sym typeface="Barlow"/>
-              </a:defRPr>
-            </a:lvl9pPr>
-          </a:lstStyle>
-          <a:p>
-            <a:pPr algn="ctr"/>
-            <a:r>
-              <a:rPr lang="en-US" altLang="zh-CN" sz="8800" spc="300" dirty="0">
-                <a:solidFill>
-                  <a:schemeClr val="accent4">
-                    <a:lumMod val="60000"/>
-                    <a:lumOff val="40000"/>
-                    <a:alpha val="60000"/>
-                  </a:schemeClr>
-                </a:solidFill>
-                <a:latin typeface="Amatic SC" panose="020F0502020204030204" pitchFamily="2" charset="-79"/>
-                <a:cs typeface="Amatic SC" panose="020F0502020204030204" pitchFamily="2" charset="-79"/>
-              </a:rPr>
-              <a:t>Lesson 1:</a:t>
-            </a:r>
-          </a:p>
-          <a:p>
-            <a:pPr algn="ctr"/>
-            <a:r>
-              <a:rPr lang="en-US" altLang="zh-CN" sz="8800" spc="300" dirty="0">
-                <a:solidFill>
-                  <a:schemeClr val="accent4">
-                    <a:lumMod val="60000"/>
-                    <a:lumOff val="40000"/>
-                    <a:alpha val="60000"/>
-                  </a:schemeClr>
-                </a:solidFill>
-                <a:latin typeface="Amatic SC" panose="020F0502020204030204" pitchFamily="2" charset="-79"/>
-                <a:cs typeface="Amatic SC" panose="020F0502020204030204" pitchFamily="2" charset="-79"/>
-              </a:rPr>
-              <a:t>space talk</a:t>
-            </a:r>
-            <a:endParaRPr lang="en-US" sz="8800" spc="300" dirty="0">
-              <a:solidFill>
-                <a:schemeClr val="accent4">
-                  <a:lumMod val="60000"/>
-                  <a:lumOff val="40000"/>
-                  <a:alpha val="60000"/>
-                </a:schemeClr>
-              </a:solidFill>
-              <a:latin typeface="Amatic SC" panose="020F0502020204030204" pitchFamily="2" charset="-79"/>
-              <a:cs typeface="Amatic SC" panose="020F0502020204030204" pitchFamily="2" charset="-79"/>
-            </a:endParaRPr>
-          </a:p>
-        </p:txBody>
-      </p:sp>
-      <p:sp>
-        <p:nvSpPr>
-          <p:cNvPr id="2" name="Slide Number Placeholder 1">
-            <a:extLst>
-              <a:ext uri="{FF2B5EF4-FFF2-40B4-BE49-F238E27FC236}">
-                <a16:creationId xmlns:a16="http://schemas.microsoft.com/office/drawing/2014/main" id="{C53E70DF-9B91-8A92-BF94-1399BB9FFE34}"/>
-              </a:ext>
-            </a:extLst>
-          </p:cNvPr>
-          <p:cNvSpPr>
-            <a:spLocks noGrp="1"/>
-          </p:cNvSpPr>
-          <p:nvPr>
-            <p:ph type="sldNum" sz="quarter" idx="12"/>
-          </p:nvPr>
-        </p:nvSpPr>
-        <p:spPr>
-          <a:xfrm>
-            <a:off x="9057739" y="6259509"/>
-            <a:ext cx="2743200" cy="365125"/>
-          </a:xfrm>
-        </p:spPr>
-        <p:txBody>
-          <a:bodyPr/>
-          <a:lstStyle/>
-          <a:p>
-            <a:fld id="{9B1EC109-1E15-4BCA-93B5-56442BB3443E}" type="slidenum">
-              <a:rPr lang="zh-CN" altLang="en-US" sz="2400" b="1" smtClean="0">
-                <a:solidFill>
-                  <a:schemeClr val="bg1">
-                    <a:lumMod val="65000"/>
-                  </a:schemeClr>
-                </a:solidFill>
-                <a:latin typeface="Bradley Hand ITC" panose="03070402050302030203" pitchFamily="66" charset="0"/>
-              </a:rPr>
-              <a:t>3</a:t>
-            </a:fld>
-            <a:endParaRPr lang="zh-CN" altLang="en-US" sz="2400" b="1" dirty="0">
-              <a:solidFill>
-                <a:schemeClr val="bg1">
-                  <a:lumMod val="65000"/>
-                </a:schemeClr>
-              </a:solidFill>
-              <a:latin typeface="Bradley Hand ITC" panose="03070402050302030203" pitchFamily="66" charset="0"/>
-            </a:endParaRPr>
-          </a:p>
-        </p:txBody>
-      </p:sp>
-    </p:spTree>
-    <p:extLst>
-      <p:ext uri="{BB962C8B-B14F-4D97-AF65-F5344CB8AC3E}">
-        <p14:creationId xmlns:p14="http://schemas.microsoft.com/office/powerpoint/2010/main" val="1294927822"/>
       </p:ext>
     </p:extLst>
   </p:cSld>
